--- a/Projet Webdatamining.pptx
+++ b/Projet Webdatamining.pptx
@@ -2515,7 +2515,7 @@
                 <a:spcPct val="100000"/>
               </a:lnSpc>
             </a:pPr>
-            <a:fld id="{76ECC21E-846F-4212-8DAE-73EA116D859D}" type="slidenum">
+            <a:fld id="{D9FE9901-FA8C-4B7B-874F-74462315A764}" type="slidenum">
               <a:rPr lang="fr-FR" sz="1200" spc="-1" strike="noStrike">
                 <a:solidFill>
                   <a:srgbClr val="8b8b8b"/>
@@ -3148,7 +3148,7 @@
                 <a:spcPct val="100000"/>
               </a:lnSpc>
             </a:pPr>
-            <a:fld id="{AA8B4D79-6BD1-4BB4-B3B1-D3A33CE0780E}" type="slidenum">
+            <a:fld id="{CDEB0B01-E3C2-4587-B3A6-EEBA9ECFF768}" type="slidenum">
               <a:rPr lang="fr-FR" sz="1200" spc="-1" strike="noStrike">
                 <a:solidFill>
                   <a:srgbClr val="8b8b8b"/>
